--- a/문서/화면 설계서 정의/게시글 작성 페이지.pptx
+++ b/문서/화면 설계서 정의/게시글 작성 페이지.pptx
@@ -104,6 +104,11 @@
       </a:defRPr>
     </a:lvl9pPr>
   </p:defaultTextStyle>
+  <p:extLst>
+    <p:ext uri="{EFAFB233-063F-42B5-8137-9DF3F51BA10A}">
+      <p15:sldGuideLst xmlns:p15="http://schemas.microsoft.com/office/powerpoint/2012/main"/>
+    </p:ext>
+  </p:extLst>
 </p:presentation>
 </file>
 
@@ -3749,6 +3754,81 @@
           </a:p>
         </p:txBody>
       </p:sp>
+      <p:pic>
+        <p:nvPicPr>
+          <p:cNvPr id="3" name="그림 2">
+            <a:extLst>
+              <a:ext uri="{FF2B5EF4-FFF2-40B4-BE49-F238E27FC236}">
+                <a16:creationId xmlns:a16="http://schemas.microsoft.com/office/drawing/2014/main" id="{CD0E1F8E-3CDD-B1DD-0DEB-088492782ECC}"/>
+              </a:ext>
+            </a:extLst>
+          </p:cNvPr>
+          <p:cNvPicPr>
+            <a:picLocks noChangeAspect="1"/>
+          </p:cNvPicPr>
+          <p:nvPr/>
+        </p:nvPicPr>
+        <p:blipFill>
+          <a:blip r:embed="rId3"/>
+          <a:stretch>
+            <a:fillRect/>
+          </a:stretch>
+        </p:blipFill>
+        <p:spPr>
+          <a:xfrm>
+            <a:off x="2920895" y="2236762"/>
+            <a:ext cx="4045594" cy="2239511"/>
+          </a:xfrm>
+          <a:prstGeom prst="rect">
+            <a:avLst/>
+          </a:prstGeom>
+        </p:spPr>
+      </p:pic>
+      <p:cxnSp>
+        <p:nvCxnSpPr>
+          <p:cNvPr id="9" name="직선 연결선 8">
+            <a:extLst>
+              <a:ext uri="{FF2B5EF4-FFF2-40B4-BE49-F238E27FC236}">
+                <a16:creationId xmlns:a16="http://schemas.microsoft.com/office/drawing/2014/main" id="{D7D229B1-F36A-F22A-1F9D-05953844783A}"/>
+              </a:ext>
+            </a:extLst>
+          </p:cNvPr>
+          <p:cNvCxnSpPr>
+            <a:cxnSpLocks/>
+          </p:cNvCxnSpPr>
+          <p:nvPr/>
+        </p:nvCxnSpPr>
+        <p:spPr>
+          <a:xfrm>
+            <a:off x="2920894" y="1193101"/>
+            <a:ext cx="4115011" cy="0"/>
+          </a:xfrm>
+          <a:prstGeom prst="line">
+            <a:avLst/>
+          </a:prstGeom>
+          <a:ln w="12700">
+            <a:solidFill>
+              <a:schemeClr val="bg1">
+                <a:lumMod val="65000"/>
+              </a:schemeClr>
+            </a:solidFill>
+          </a:ln>
+        </p:spPr>
+        <p:style>
+          <a:lnRef idx="1">
+            <a:schemeClr val="accent1"/>
+          </a:lnRef>
+          <a:fillRef idx="0">
+            <a:schemeClr val="accent1"/>
+          </a:fillRef>
+          <a:effectRef idx="0">
+            <a:schemeClr val="accent1"/>
+          </a:effectRef>
+          <a:fontRef idx="minor">
+            <a:schemeClr val="tx1"/>
+          </a:fontRef>
+        </p:style>
+      </p:cxnSp>
     </p:spTree>
     <p:extLst>
       <p:ext uri="{BB962C8B-B14F-4D97-AF65-F5344CB8AC3E}">

--- a/문서/화면 설계서 정의/게시글 작성 페이지.pptx
+++ b/문서/화면 설계서 정의/게시글 작성 페이지.pptx
@@ -3485,9 +3485,7 @@
             <a:avLst/>
           </a:prstGeom>
           <a:solidFill>
-            <a:schemeClr val="bg1">
-              <a:alpha val="0"/>
-            </a:schemeClr>
+            <a:schemeClr val="bg1"/>
           </a:solidFill>
           <a:ln>
             <a:solidFill>
@@ -3516,7 +3514,14 @@
           <a:lstStyle/>
           <a:p>
             <a:pPr algn="ctr"/>
-            <a:endParaRPr lang="ko-KR" altLang="en-US" dirty="0"/>
+            <a:r>
+              <a:rPr lang="ko-KR" altLang="en-US" b="1" dirty="0">
+                <a:solidFill>
+                  <a:schemeClr val="tx1"/>
+                </a:solidFill>
+              </a:rPr>
+              <a:t>게시글 제목</a:t>
+            </a:r>
           </a:p>
         </p:txBody>
       </p:sp>
@@ -3572,7 +3577,7 @@
           <a:lstStyle/>
           <a:p>
             <a:pPr algn="ctr"/>
-            <a:endParaRPr lang="ko-KR" altLang="en-US"/>
+            <a:endParaRPr lang="ko-KR" altLang="en-US" dirty="0"/>
           </a:p>
         </p:txBody>
       </p:sp>
@@ -3705,7 +3710,7 @@
         </p:nvSpPr>
         <p:spPr>
           <a:xfrm>
-            <a:off x="2840980" y="807906"/>
+            <a:off x="2753989" y="769714"/>
             <a:ext cx="1959620" cy="374971"/>
           </a:xfrm>
           <a:prstGeom prst="roundRect">
@@ -3749,7 +3754,7 @@
                   <a:schemeClr val="tx1"/>
                 </a:solidFill>
               </a:rPr>
-              <a:t>글 작성 페이지</a:t>
+              <a:t>게시글 작성</a:t>
             </a:r>
           </a:p>
         </p:txBody>
@@ -3829,6 +3834,387 @@
           </a:fontRef>
         </p:style>
       </p:cxnSp>
+      <p:sp>
+        <p:nvSpPr>
+          <p:cNvPr id="2" name="직사각형 1">
+            <a:extLst>
+              <a:ext uri="{FF2B5EF4-FFF2-40B4-BE49-F238E27FC236}">
+                <a16:creationId xmlns:a16="http://schemas.microsoft.com/office/drawing/2014/main" id="{F2BBAC6C-318D-A891-74A3-1F7427B1A04D}"/>
+              </a:ext>
+            </a:extLst>
+          </p:cNvPr>
+          <p:cNvSpPr/>
+          <p:nvPr/>
+        </p:nvSpPr>
+        <p:spPr>
+          <a:xfrm>
+            <a:off x="5283028" y="4859574"/>
+            <a:ext cx="232474" cy="156347"/>
+          </a:xfrm>
+          <a:prstGeom prst="rect">
+            <a:avLst/>
+          </a:prstGeom>
+          <a:solidFill>
+            <a:schemeClr val="bg1"/>
+          </a:solidFill>
+          <a:ln>
+            <a:solidFill>
+              <a:schemeClr val="bg1"/>
+            </a:solidFill>
+          </a:ln>
+        </p:spPr>
+        <p:style>
+          <a:lnRef idx="2">
+            <a:schemeClr val="accent1">
+              <a:shade val="15000"/>
+            </a:schemeClr>
+          </a:lnRef>
+          <a:fillRef idx="1">
+            <a:schemeClr val="accent1"/>
+          </a:fillRef>
+          <a:effectRef idx="0">
+            <a:schemeClr val="accent1"/>
+          </a:effectRef>
+          <a:fontRef idx="minor">
+            <a:schemeClr val="lt1"/>
+          </a:fontRef>
+        </p:style>
+        <p:txBody>
+          <a:bodyPr rtlCol="0" anchor="ctr"/>
+          <a:lstStyle/>
+          <a:p>
+            <a:pPr algn="ctr"/>
+            <a:endParaRPr lang="ko-KR" altLang="en-US" dirty="0"/>
+          </a:p>
+        </p:txBody>
+      </p:sp>
+      <p:sp>
+        <p:nvSpPr>
+          <p:cNvPr id="5" name="사각형: 둥근 모서리 4">
+            <a:extLst>
+              <a:ext uri="{FF2B5EF4-FFF2-40B4-BE49-F238E27FC236}">
+                <a16:creationId xmlns:a16="http://schemas.microsoft.com/office/drawing/2014/main" id="{50C545D5-879F-FD13-F7A8-80E308109893}"/>
+              </a:ext>
+            </a:extLst>
+          </p:cNvPr>
+          <p:cNvSpPr/>
+          <p:nvPr/>
+        </p:nvSpPr>
+        <p:spPr>
+          <a:xfrm>
+            <a:off x="2974330" y="4484132"/>
+            <a:ext cx="2085555" cy="229896"/>
+          </a:xfrm>
+          <a:prstGeom prst="roundRect">
+            <a:avLst/>
+          </a:prstGeom>
+          <a:solidFill>
+            <a:schemeClr val="bg1"/>
+          </a:solidFill>
+          <a:ln>
+            <a:solidFill>
+              <a:schemeClr val="tx1"/>
+            </a:solidFill>
+          </a:ln>
+        </p:spPr>
+        <p:style>
+          <a:lnRef idx="2">
+            <a:schemeClr val="accent1">
+              <a:shade val="15000"/>
+            </a:schemeClr>
+          </a:lnRef>
+          <a:fillRef idx="1">
+            <a:schemeClr val="accent1"/>
+          </a:fillRef>
+          <a:effectRef idx="0">
+            <a:schemeClr val="accent1"/>
+          </a:effectRef>
+          <a:fontRef idx="minor">
+            <a:schemeClr val="lt1"/>
+          </a:fontRef>
+        </p:style>
+        <p:txBody>
+          <a:bodyPr rtlCol="0" anchor="ctr"/>
+          <a:lstStyle/>
+          <a:p>
+            <a:pPr algn="ctr"/>
+            <a:r>
+              <a:rPr lang="en-US" altLang="ko-KR" sz="1400" b="1" dirty="0">
+                <a:solidFill>
+                  <a:schemeClr val="tx1"/>
+                </a:solidFill>
+              </a:rPr>
+              <a:t>#</a:t>
+            </a:r>
+            <a:r>
+              <a:rPr lang="ko-KR" altLang="en-US" sz="1400" b="1" dirty="0">
+                <a:solidFill>
+                  <a:schemeClr val="tx1"/>
+                </a:solidFill>
+              </a:rPr>
+              <a:t>해시태그</a:t>
+            </a:r>
+          </a:p>
+        </p:txBody>
+      </p:sp>
+      <p:pic>
+        <p:nvPicPr>
+          <p:cNvPr id="17" name="그림 16">
+            <a:extLst>
+              <a:ext uri="{FF2B5EF4-FFF2-40B4-BE49-F238E27FC236}">
+                <a16:creationId xmlns:a16="http://schemas.microsoft.com/office/drawing/2014/main" id="{CE65186A-04F0-314A-B33C-290CE7800648}"/>
+              </a:ext>
+            </a:extLst>
+          </p:cNvPr>
+          <p:cNvPicPr>
+            <a:picLocks noChangeAspect="1"/>
+          </p:cNvPicPr>
+          <p:nvPr/>
+        </p:nvPicPr>
+        <p:blipFill>
+          <a:blip r:embed="rId4"/>
+          <a:stretch>
+            <a:fillRect/>
+          </a:stretch>
+        </p:blipFill>
+        <p:spPr>
+          <a:xfrm>
+            <a:off x="4935132" y="769714"/>
+            <a:ext cx="2006703" cy="381020"/>
+          </a:xfrm>
+          <a:prstGeom prst="rect">
+            <a:avLst/>
+          </a:prstGeom>
+        </p:spPr>
+      </p:pic>
+      <p:sp>
+        <p:nvSpPr>
+          <p:cNvPr id="20" name="직사각형 19">
+            <a:extLst>
+              <a:ext uri="{FF2B5EF4-FFF2-40B4-BE49-F238E27FC236}">
+                <a16:creationId xmlns:a16="http://schemas.microsoft.com/office/drawing/2014/main" id="{999E4833-1E4F-19AE-8043-A4B03A628A7C}"/>
+              </a:ext>
+            </a:extLst>
+          </p:cNvPr>
+          <p:cNvSpPr/>
+          <p:nvPr/>
+        </p:nvSpPr>
+        <p:spPr>
+          <a:xfrm>
+            <a:off x="4986015" y="1125769"/>
+            <a:ext cx="1924507" cy="335984"/>
+          </a:xfrm>
+          <a:prstGeom prst="rect">
+            <a:avLst/>
+          </a:prstGeom>
+          <a:solidFill>
+            <a:schemeClr val="bg1"/>
+          </a:solidFill>
+          <a:ln cap="sq"/>
+          <a:effectLst/>
+        </p:spPr>
+        <p:style>
+          <a:lnRef idx="2">
+            <a:schemeClr val="accent1">
+              <a:shade val="15000"/>
+            </a:schemeClr>
+          </a:lnRef>
+          <a:fillRef idx="1">
+            <a:schemeClr val="accent1"/>
+          </a:fillRef>
+          <a:effectRef idx="0">
+            <a:schemeClr val="accent1"/>
+          </a:effectRef>
+          <a:fontRef idx="minor">
+            <a:schemeClr val="lt1"/>
+          </a:fontRef>
+        </p:style>
+        <p:txBody>
+          <a:bodyPr rtlCol="0" anchor="ctr"/>
+          <a:lstStyle/>
+          <a:p>
+            <a:r>
+              <a:rPr lang="ko-KR" altLang="en-US" sz="1200" dirty="0">
+                <a:solidFill>
+                  <a:schemeClr val="tx1"/>
+                </a:solidFill>
+              </a:rPr>
+              <a:t>게임</a:t>
+            </a:r>
+          </a:p>
+        </p:txBody>
+      </p:sp>
+      <p:sp>
+        <p:nvSpPr>
+          <p:cNvPr id="21" name="직사각형 20">
+            <a:extLst>
+              <a:ext uri="{FF2B5EF4-FFF2-40B4-BE49-F238E27FC236}">
+                <a16:creationId xmlns:a16="http://schemas.microsoft.com/office/drawing/2014/main" id="{500D72FC-568D-8FF8-C9A1-098686499AEA}"/>
+              </a:ext>
+            </a:extLst>
+          </p:cNvPr>
+          <p:cNvSpPr/>
+          <p:nvPr/>
+        </p:nvSpPr>
+        <p:spPr>
+          <a:xfrm>
+            <a:off x="4986014" y="1796119"/>
+            <a:ext cx="1924507" cy="335984"/>
+          </a:xfrm>
+          <a:prstGeom prst="rect">
+            <a:avLst/>
+          </a:prstGeom>
+          <a:solidFill>
+            <a:schemeClr val="bg1"/>
+          </a:solidFill>
+          <a:ln cap="sq"/>
+          <a:effectLst/>
+        </p:spPr>
+        <p:style>
+          <a:lnRef idx="2">
+            <a:schemeClr val="accent1">
+              <a:shade val="15000"/>
+            </a:schemeClr>
+          </a:lnRef>
+          <a:fillRef idx="1">
+            <a:schemeClr val="accent1"/>
+          </a:fillRef>
+          <a:effectRef idx="0">
+            <a:schemeClr val="accent1"/>
+          </a:effectRef>
+          <a:fontRef idx="minor">
+            <a:schemeClr val="lt1"/>
+          </a:fontRef>
+        </p:style>
+        <p:txBody>
+          <a:bodyPr rtlCol="0" anchor="ctr"/>
+          <a:lstStyle/>
+          <a:p>
+            <a:r>
+              <a:rPr lang="ko-KR" altLang="en-US" sz="1200" dirty="0">
+                <a:solidFill>
+                  <a:schemeClr val="tx1"/>
+                </a:solidFill>
+              </a:rPr>
+              <a:t>유머</a:t>
+            </a:r>
+          </a:p>
+        </p:txBody>
+      </p:sp>
+      <p:sp>
+        <p:nvSpPr>
+          <p:cNvPr id="22" name="직사각형 21">
+            <a:extLst>
+              <a:ext uri="{FF2B5EF4-FFF2-40B4-BE49-F238E27FC236}">
+                <a16:creationId xmlns:a16="http://schemas.microsoft.com/office/drawing/2014/main" id="{63352343-B1FF-E39F-34D7-DC623CBB9A25}"/>
+              </a:ext>
+            </a:extLst>
+          </p:cNvPr>
+          <p:cNvSpPr/>
+          <p:nvPr/>
+        </p:nvSpPr>
+        <p:spPr>
+          <a:xfrm>
+            <a:off x="4982579" y="1461425"/>
+            <a:ext cx="1924507" cy="335984"/>
+          </a:xfrm>
+          <a:prstGeom prst="rect">
+            <a:avLst/>
+          </a:prstGeom>
+          <a:solidFill>
+            <a:schemeClr val="bg1"/>
+          </a:solidFill>
+          <a:ln cap="sq"/>
+          <a:effectLst/>
+        </p:spPr>
+        <p:style>
+          <a:lnRef idx="2">
+            <a:schemeClr val="accent1">
+              <a:shade val="15000"/>
+            </a:schemeClr>
+          </a:lnRef>
+          <a:fillRef idx="1">
+            <a:schemeClr val="accent1"/>
+          </a:fillRef>
+          <a:effectRef idx="0">
+            <a:schemeClr val="accent1"/>
+          </a:effectRef>
+          <a:fontRef idx="minor">
+            <a:schemeClr val="lt1"/>
+          </a:fontRef>
+        </p:style>
+        <p:txBody>
+          <a:bodyPr rtlCol="0" anchor="ctr"/>
+          <a:lstStyle/>
+          <a:p>
+            <a:r>
+              <a:rPr lang="ko-KR" altLang="en-US" sz="1200" dirty="0">
+                <a:solidFill>
+                  <a:schemeClr val="tx1"/>
+                </a:solidFill>
+              </a:rPr>
+              <a:t>맛집</a:t>
+            </a:r>
+          </a:p>
+        </p:txBody>
+      </p:sp>
+      <p:sp>
+        <p:nvSpPr>
+          <p:cNvPr id="23" name="직사각형 22">
+            <a:extLst>
+              <a:ext uri="{FF2B5EF4-FFF2-40B4-BE49-F238E27FC236}">
+                <a16:creationId xmlns:a16="http://schemas.microsoft.com/office/drawing/2014/main" id="{AAC72493-4D59-32D6-4D5F-3193B428EF65}"/>
+              </a:ext>
+            </a:extLst>
+          </p:cNvPr>
+          <p:cNvSpPr/>
+          <p:nvPr/>
+        </p:nvSpPr>
+        <p:spPr>
+          <a:xfrm>
+            <a:off x="4986013" y="2131889"/>
+            <a:ext cx="1924507" cy="335984"/>
+          </a:xfrm>
+          <a:prstGeom prst="rect">
+            <a:avLst/>
+          </a:prstGeom>
+          <a:solidFill>
+            <a:schemeClr val="bg1"/>
+          </a:solidFill>
+          <a:ln cap="sq"/>
+          <a:effectLst/>
+        </p:spPr>
+        <p:style>
+          <a:lnRef idx="2">
+            <a:schemeClr val="accent1">
+              <a:shade val="15000"/>
+            </a:schemeClr>
+          </a:lnRef>
+          <a:fillRef idx="1">
+            <a:schemeClr val="accent1"/>
+          </a:fillRef>
+          <a:effectRef idx="0">
+            <a:schemeClr val="accent1"/>
+          </a:effectRef>
+          <a:fontRef idx="minor">
+            <a:schemeClr val="lt1"/>
+          </a:fontRef>
+        </p:style>
+        <p:txBody>
+          <a:bodyPr rtlCol="0" anchor="ctr"/>
+          <a:lstStyle/>
+          <a:p>
+            <a:r>
+              <a:rPr lang="ko-KR" altLang="en-US" sz="1200" dirty="0">
+                <a:solidFill>
+                  <a:schemeClr val="tx1"/>
+                </a:solidFill>
+              </a:rPr>
+              <a:t>일상</a:t>
+            </a:r>
+          </a:p>
+        </p:txBody>
+      </p:sp>
     </p:spTree>
     <p:extLst>
       <p:ext uri="{BB962C8B-B14F-4D97-AF65-F5344CB8AC3E}">
@@ -4129,7 +4515,13 @@
   </a:themeElements>
   <a:objectDefaults>
     <a:spDef>
-      <a:spPr/>
+      <a:spPr>
+        <a:solidFill>
+          <a:schemeClr val="bg1"/>
+        </a:solidFill>
+        <a:ln cap="sq"/>
+        <a:effectLst/>
+      </a:spPr>
       <a:bodyPr rtlCol="0" anchor="ctr"/>
       <a:lstStyle>
         <a:defPPr algn="ctr">

--- a/문서/화면 설계서 정의/게시글 작성 페이지.pptx
+++ b/문서/화면 설계서 정의/게시글 작성 페이지.pptx
@@ -259,7 +259,7 @@
           <a:p>
             <a:fld id="{27A75950-FB4E-4C8F-AAC4-32BCBB18847A}" type="datetimeFigureOut">
               <a:rPr lang="ko-KR" altLang="en-US" smtClean="0"/>
-              <a:t>2025-09-22</a:t>
+              <a:t>2025-09-23</a:t>
             </a:fld>
             <a:endParaRPr lang="ko-KR" altLang="en-US"/>
           </a:p>
@@ -457,7 +457,7 @@
           <a:p>
             <a:fld id="{27A75950-FB4E-4C8F-AAC4-32BCBB18847A}" type="datetimeFigureOut">
               <a:rPr lang="ko-KR" altLang="en-US" smtClean="0"/>
-              <a:t>2025-09-22</a:t>
+              <a:t>2025-09-23</a:t>
             </a:fld>
             <a:endParaRPr lang="ko-KR" altLang="en-US"/>
           </a:p>
@@ -665,7 +665,7 @@
           <a:p>
             <a:fld id="{27A75950-FB4E-4C8F-AAC4-32BCBB18847A}" type="datetimeFigureOut">
               <a:rPr lang="ko-KR" altLang="en-US" smtClean="0"/>
-              <a:t>2025-09-22</a:t>
+              <a:t>2025-09-23</a:t>
             </a:fld>
             <a:endParaRPr lang="ko-KR" altLang="en-US"/>
           </a:p>
@@ -863,7 +863,7 @@
           <a:p>
             <a:fld id="{27A75950-FB4E-4C8F-AAC4-32BCBB18847A}" type="datetimeFigureOut">
               <a:rPr lang="ko-KR" altLang="en-US" smtClean="0"/>
-              <a:t>2025-09-22</a:t>
+              <a:t>2025-09-23</a:t>
             </a:fld>
             <a:endParaRPr lang="ko-KR" altLang="en-US"/>
           </a:p>
@@ -1138,7 +1138,7 @@
           <a:p>
             <a:fld id="{27A75950-FB4E-4C8F-AAC4-32BCBB18847A}" type="datetimeFigureOut">
               <a:rPr lang="ko-KR" altLang="en-US" smtClean="0"/>
-              <a:t>2025-09-22</a:t>
+              <a:t>2025-09-23</a:t>
             </a:fld>
             <a:endParaRPr lang="ko-KR" altLang="en-US"/>
           </a:p>
@@ -1403,7 +1403,7 @@
           <a:p>
             <a:fld id="{27A75950-FB4E-4C8F-AAC4-32BCBB18847A}" type="datetimeFigureOut">
               <a:rPr lang="ko-KR" altLang="en-US" smtClean="0"/>
-              <a:t>2025-09-22</a:t>
+              <a:t>2025-09-23</a:t>
             </a:fld>
             <a:endParaRPr lang="ko-KR" altLang="en-US"/>
           </a:p>
@@ -1815,7 +1815,7 @@
           <a:p>
             <a:fld id="{27A75950-FB4E-4C8F-AAC4-32BCBB18847A}" type="datetimeFigureOut">
               <a:rPr lang="ko-KR" altLang="en-US" smtClean="0"/>
-              <a:t>2025-09-22</a:t>
+              <a:t>2025-09-23</a:t>
             </a:fld>
             <a:endParaRPr lang="ko-KR" altLang="en-US"/>
           </a:p>
@@ -1956,7 +1956,7 @@
           <a:p>
             <a:fld id="{27A75950-FB4E-4C8F-AAC4-32BCBB18847A}" type="datetimeFigureOut">
               <a:rPr lang="ko-KR" altLang="en-US" smtClean="0"/>
-              <a:t>2025-09-22</a:t>
+              <a:t>2025-09-23</a:t>
             </a:fld>
             <a:endParaRPr lang="ko-KR" altLang="en-US"/>
           </a:p>
@@ -2069,7 +2069,7 @@
           <a:p>
             <a:fld id="{27A75950-FB4E-4C8F-AAC4-32BCBB18847A}" type="datetimeFigureOut">
               <a:rPr lang="ko-KR" altLang="en-US" smtClean="0"/>
-              <a:t>2025-09-22</a:t>
+              <a:t>2025-09-23</a:t>
             </a:fld>
             <a:endParaRPr lang="ko-KR" altLang="en-US"/>
           </a:p>
@@ -2380,7 +2380,7 @@
           <a:p>
             <a:fld id="{27A75950-FB4E-4C8F-AAC4-32BCBB18847A}" type="datetimeFigureOut">
               <a:rPr lang="ko-KR" altLang="en-US" smtClean="0"/>
-              <a:t>2025-09-22</a:t>
+              <a:t>2025-09-23</a:t>
             </a:fld>
             <a:endParaRPr lang="ko-KR" altLang="en-US"/>
           </a:p>
@@ -2668,7 +2668,7 @@
           <a:p>
             <a:fld id="{27A75950-FB4E-4C8F-AAC4-32BCBB18847A}" type="datetimeFigureOut">
               <a:rPr lang="ko-KR" altLang="en-US" smtClean="0"/>
-              <a:t>2025-09-22</a:t>
+              <a:t>2025-09-23</a:t>
             </a:fld>
             <a:endParaRPr lang="ko-KR" altLang="en-US"/>
           </a:p>
@@ -2909,7 +2909,7 @@
           <a:p>
             <a:fld id="{27A75950-FB4E-4C8F-AAC4-32BCBB18847A}" type="datetimeFigureOut">
               <a:rPr lang="ko-KR" altLang="en-US" smtClean="0"/>
-              <a:t>2025-09-22</a:t>
+              <a:t>2025-09-23</a:t>
             </a:fld>
             <a:endParaRPr lang="ko-KR" altLang="en-US"/>
           </a:p>
@@ -3595,7 +3595,7 @@
         </p:nvSpPr>
         <p:spPr>
           <a:xfrm>
-            <a:off x="6335308" y="5145447"/>
+            <a:off x="6335308" y="5639243"/>
             <a:ext cx="539750" cy="231882"/>
           </a:xfrm>
           <a:prstGeom prst="roundRect">
@@ -4212,6 +4212,118 @@
               </a:rPr>
               <a:t>일상</a:t>
             </a:r>
+          </a:p>
+        </p:txBody>
+      </p:sp>
+      <p:sp>
+        <p:nvSpPr>
+          <p:cNvPr id="4" name="사각형: 둥근 모서리 3">
+            <a:extLst>
+              <a:ext uri="{FF2B5EF4-FFF2-40B4-BE49-F238E27FC236}">
+                <a16:creationId xmlns:a16="http://schemas.microsoft.com/office/drawing/2014/main" id="{73A7E93C-D269-5D0B-37F2-ADCE7060C6AD}"/>
+              </a:ext>
+            </a:extLst>
+          </p:cNvPr>
+          <p:cNvSpPr/>
+          <p:nvPr/>
+        </p:nvSpPr>
+        <p:spPr>
+          <a:xfrm>
+            <a:off x="2885430" y="5065305"/>
+            <a:ext cx="4201170" cy="231882"/>
+          </a:xfrm>
+          <a:prstGeom prst="roundRect">
+            <a:avLst/>
+          </a:prstGeom>
+          <a:solidFill>
+            <a:schemeClr val="bg1">
+              <a:alpha val="0"/>
+            </a:schemeClr>
+          </a:solidFill>
+          <a:ln>
+            <a:solidFill>
+              <a:schemeClr val="tx1"/>
+            </a:solidFill>
+          </a:ln>
+        </p:spPr>
+        <p:style>
+          <a:lnRef idx="2">
+            <a:schemeClr val="accent1">
+              <a:shade val="15000"/>
+            </a:schemeClr>
+          </a:lnRef>
+          <a:fillRef idx="1">
+            <a:schemeClr val="accent1"/>
+          </a:fillRef>
+          <a:effectRef idx="0">
+            <a:schemeClr val="accent1"/>
+          </a:effectRef>
+          <a:fontRef idx="minor">
+            <a:schemeClr val="lt1"/>
+          </a:fontRef>
+        </p:style>
+        <p:txBody>
+          <a:bodyPr rtlCol="0" anchor="ctr"/>
+          <a:lstStyle/>
+          <a:p>
+            <a:pPr algn="ctr"/>
+            <a:endParaRPr lang="ko-KR" altLang="en-US" dirty="0"/>
+          </a:p>
+        </p:txBody>
+      </p:sp>
+      <p:sp>
+        <p:nvSpPr>
+          <p:cNvPr id="11" name="사각형: 둥근 모서리 10">
+            <a:extLst>
+              <a:ext uri="{FF2B5EF4-FFF2-40B4-BE49-F238E27FC236}">
+                <a16:creationId xmlns:a16="http://schemas.microsoft.com/office/drawing/2014/main" id="{C4DB6CF9-38B9-F53D-B7B9-E8FAA380C6DC}"/>
+              </a:ext>
+            </a:extLst>
+          </p:cNvPr>
+          <p:cNvSpPr/>
+          <p:nvPr/>
+        </p:nvSpPr>
+        <p:spPr>
+          <a:xfrm>
+            <a:off x="2885430" y="5322159"/>
+            <a:ext cx="4201170" cy="231882"/>
+          </a:xfrm>
+          <a:prstGeom prst="roundRect">
+            <a:avLst/>
+          </a:prstGeom>
+          <a:solidFill>
+            <a:schemeClr val="bg1">
+              <a:alpha val="0"/>
+            </a:schemeClr>
+          </a:solidFill>
+          <a:ln>
+            <a:solidFill>
+              <a:schemeClr val="tx1"/>
+            </a:solidFill>
+          </a:ln>
+        </p:spPr>
+        <p:style>
+          <a:lnRef idx="2">
+            <a:schemeClr val="accent1">
+              <a:shade val="15000"/>
+            </a:schemeClr>
+          </a:lnRef>
+          <a:fillRef idx="1">
+            <a:schemeClr val="accent1"/>
+          </a:fillRef>
+          <a:effectRef idx="0">
+            <a:schemeClr val="accent1"/>
+          </a:effectRef>
+          <a:fontRef idx="minor">
+            <a:schemeClr val="lt1"/>
+          </a:fontRef>
+        </p:style>
+        <p:txBody>
+          <a:bodyPr rtlCol="0" anchor="ctr"/>
+          <a:lstStyle/>
+          <a:p>
+            <a:pPr algn="ctr"/>
+            <a:endParaRPr lang="ko-KR" altLang="en-US" dirty="0"/>
           </a:p>
         </p:txBody>
       </p:sp>
